--- a/Security.pptx
+++ b/Security.pptx
@@ -5,10 +5,10 @@
     <p:sldMasterId id="2147483648" r:id="rId1"/>
   </p:sldMasterIdLst>
   <p:notesMasterIdLst>
-    <p:notesMasterId r:id="rId16"/>
+    <p:notesMasterId r:id="rId17"/>
   </p:notesMasterIdLst>
   <p:handoutMasterIdLst>
-    <p:handoutMasterId r:id="rId17"/>
+    <p:handoutMasterId r:id="rId18"/>
   </p:handoutMasterIdLst>
   <p:sldIdLst>
     <p:sldId id="256" r:id="rId2"/>
@@ -25,6 +25,7 @@
     <p:sldId id="311" r:id="rId13"/>
     <p:sldId id="312" r:id="rId14"/>
     <p:sldId id="302" r:id="rId15"/>
+    <p:sldId id="313" r:id="rId16"/>
   </p:sldIdLst>
   <p:sldSz cx="9144000" cy="6858000" type="screen4x3"/>
   <p:notesSz cx="6884988" cy="10018713"/>
@@ -4773,9 +4774,6 @@
               </a:rPr>
               <a:t>Security</a:t>
             </a:r>
-            <a:endParaRPr lang="en-US" altLang="da-DK" sz="6000" dirty="0" smtClean="0">
-              <a:latin typeface="Arial Black" pitchFamily="34" charset="0"/>
-            </a:endParaRPr>
           </a:p>
         </p:txBody>
       </p:sp>
@@ -4971,7 +4969,6 @@
               <a:rPr lang="da-DK" altLang="da-DK" kern="0" dirty="0" smtClean="0"/>
               <a:t>i web programmering</a:t>
             </a:r>
-            <a:endParaRPr lang="da-DK" altLang="da-DK" kern="0" dirty="0" smtClean="0"/>
           </a:p>
         </p:txBody>
       </p:sp>
@@ -6274,6 +6271,245 @@
 </p:sld>
 </file>
 
+<file path=ppt/slides/slide15.xml><?xml version="1.0" encoding="utf-8"?>
+<p:sld xmlns:a="http://schemas.openxmlformats.org/drawingml/2006/main" xmlns:r="http://schemas.openxmlformats.org/officeDocument/2006/relationships" xmlns:p="http://schemas.openxmlformats.org/presentationml/2006/main">
+  <p:cSld>
+    <p:spTree>
+      <p:nvGrpSpPr>
+        <p:cNvPr id="1" name=""/>
+        <p:cNvGrpSpPr/>
+        <p:nvPr/>
+      </p:nvGrpSpPr>
+      <p:grpSpPr>
+        <a:xfrm>
+          <a:off x="0" y="0"/>
+          <a:ext cx="0" cy="0"/>
+          <a:chOff x="0" y="0"/>
+          <a:chExt cx="0" cy="0"/>
+        </a:xfrm>
+      </p:grpSpPr>
+      <p:sp>
+        <p:nvSpPr>
+          <p:cNvPr id="2" name="Title 1"/>
+          <p:cNvSpPr>
+            <a:spLocks noGrp="1"/>
+          </p:cNvSpPr>
+          <p:nvPr>
+            <p:ph type="title"/>
+          </p:nvPr>
+        </p:nvSpPr>
+        <p:spPr/>
+        <p:txBody>
+          <a:bodyPr/>
+          <a:lstStyle/>
+          <a:p>
+            <a:pPr algn="l"/>
+            <a:r>
+              <a:rPr lang="da-DK" dirty="0" smtClean="0"/>
+              <a:t>PasswordStorage.java</a:t>
+            </a:r>
+            <a:endParaRPr lang="da-DK" dirty="0"/>
+          </a:p>
+        </p:txBody>
+      </p:sp>
+      <p:sp>
+        <p:nvSpPr>
+          <p:cNvPr id="3" name="Content Placeholder 2"/>
+          <p:cNvSpPr>
+            <a:spLocks noGrp="1"/>
+          </p:cNvSpPr>
+          <p:nvPr>
+            <p:ph idx="1"/>
+          </p:nvPr>
+        </p:nvSpPr>
+        <p:spPr/>
+        <p:txBody>
+          <a:bodyPr/>
+          <a:lstStyle/>
+          <a:p>
+            <a:r>
+              <a:rPr lang="da-DK" dirty="0" smtClean="0"/>
+              <a:t>Gemmer salt i databasen i formen:</a:t>
+            </a:r>
+            <a:endParaRPr lang="da-DK" sz="2000" dirty="0" smtClean="0"/>
+          </a:p>
+          <a:p>
+            <a:r>
+              <a:rPr lang="da-DK" dirty="0" smtClean="0"/>
+              <a:t>Password er </a:t>
+            </a:r>
+            <a:r>
+              <a:rPr lang="da-DK" dirty="0" err="1" smtClean="0"/>
+              <a:t>concateneret</a:t>
+            </a:r>
+            <a:r>
+              <a:rPr lang="da-DK" dirty="0" smtClean="0"/>
+              <a:t> af:</a:t>
+            </a:r>
+          </a:p>
+          <a:p>
+            <a:pPr lvl="1"/>
+            <a:r>
+              <a:rPr lang="da-DK" dirty="0" smtClean="0"/>
+              <a:t>Sha1 +</a:t>
+            </a:r>
+          </a:p>
+          <a:p>
+            <a:pPr lvl="1"/>
+            <a:r>
+              <a:rPr lang="da-DK" dirty="0" err="1" smtClean="0"/>
+              <a:t>Iterations</a:t>
+            </a:r>
+            <a:r>
+              <a:rPr lang="da-DK" dirty="0" smtClean="0"/>
+              <a:t> +  </a:t>
+            </a:r>
+            <a:r>
+              <a:rPr lang="da-DK" sz="2000" dirty="0" smtClean="0"/>
+              <a:t>(64000 </a:t>
+            </a:r>
+            <a:r>
+              <a:rPr lang="da-DK" sz="2000" dirty="0" err="1" smtClean="0"/>
+              <a:t>encryptions</a:t>
+            </a:r>
+            <a:r>
+              <a:rPr lang="da-DK" sz="2000" dirty="0" smtClean="0"/>
+              <a:t>: </a:t>
+            </a:r>
+            <a:r>
+              <a:rPr lang="da-DK" sz="2000" dirty="0" err="1" smtClean="0"/>
+              <a:t>computational</a:t>
+            </a:r>
+            <a:r>
+              <a:rPr lang="da-DK" sz="2000" dirty="0" smtClean="0"/>
+              <a:t> </a:t>
+            </a:r>
+            <a:r>
+              <a:rPr lang="da-DK" sz="2000" dirty="0" err="1" smtClean="0"/>
+              <a:t>extra</a:t>
+            </a:r>
+            <a:r>
+              <a:rPr lang="da-DK" sz="2000" dirty="0" smtClean="0"/>
+              <a:t> </a:t>
+            </a:r>
+            <a:r>
+              <a:rPr lang="da-DK" sz="2000" dirty="0" err="1" smtClean="0"/>
+              <a:t>work</a:t>
+            </a:r>
+            <a:r>
+              <a:rPr lang="da-DK" sz="2000" dirty="0"/>
+              <a:t>)</a:t>
+            </a:r>
+            <a:r>
+              <a:rPr lang="da-DK" sz="2000" dirty="0" smtClean="0"/>
+              <a:t> </a:t>
+            </a:r>
+          </a:p>
+          <a:p>
+            <a:pPr lvl="1"/>
+            <a:r>
+              <a:rPr lang="da-DK" dirty="0" err="1" smtClean="0"/>
+              <a:t>Hashsize</a:t>
+            </a:r>
+            <a:r>
+              <a:rPr lang="da-DK" dirty="0" smtClean="0"/>
+              <a:t> +</a:t>
+            </a:r>
+          </a:p>
+          <a:p>
+            <a:pPr lvl="1"/>
+            <a:r>
+              <a:rPr lang="da-DK" dirty="0" smtClean="0"/>
+              <a:t>base64 </a:t>
+            </a:r>
+            <a:r>
+              <a:rPr lang="da-DK" dirty="0" err="1" smtClean="0"/>
+              <a:t>encoded</a:t>
+            </a:r>
+            <a:r>
+              <a:rPr lang="da-DK" dirty="0" smtClean="0"/>
+              <a:t> salt +</a:t>
+            </a:r>
+          </a:p>
+          <a:p>
+            <a:pPr lvl="1"/>
+            <a:r>
+              <a:rPr lang="da-DK" dirty="0" smtClean="0"/>
+              <a:t>base64 </a:t>
+            </a:r>
+            <a:r>
+              <a:rPr lang="da-DK" dirty="0" err="1" smtClean="0"/>
+              <a:t>encoded</a:t>
+            </a:r>
+            <a:r>
+              <a:rPr lang="da-DK" dirty="0" smtClean="0"/>
+              <a:t> hash</a:t>
+            </a:r>
+          </a:p>
+          <a:p>
+            <a:pPr marL="457200" lvl="1" indent="0">
+              <a:buNone/>
+            </a:pPr>
+            <a:endParaRPr lang="da-DK" dirty="0" smtClean="0"/>
+          </a:p>
+          <a:p>
+            <a:pPr marL="0" indent="0">
+              <a:buNone/>
+            </a:pPr>
+            <a:r>
+              <a:rPr lang="da-DK" sz="1400" dirty="0" smtClean="0"/>
+              <a:t>      sha1:64000:18:fHXOSM9KX80+JH/0BHe3QZmO0QRsIIW9:2CqWJ7d4Vy45NhhRD82/</a:t>
+            </a:r>
+            <a:r>
+              <a:rPr lang="da-DK" sz="1400" dirty="0" err="1" smtClean="0"/>
+              <a:t>Kfww</a:t>
+            </a:r>
+            <a:endParaRPr lang="da-DK" sz="1400" dirty="0" smtClean="0"/>
+          </a:p>
+        </p:txBody>
+      </p:sp>
+      <p:sp>
+        <p:nvSpPr>
+          <p:cNvPr id="4" name="Slide Number Placeholder 3"/>
+          <p:cNvSpPr>
+            <a:spLocks noGrp="1"/>
+          </p:cNvSpPr>
+          <p:nvPr>
+            <p:ph type="sldNum" sz="quarter" idx="10"/>
+          </p:nvPr>
+        </p:nvSpPr>
+        <p:spPr/>
+        <p:txBody>
+          <a:bodyPr/>
+          <a:lstStyle/>
+          <a:p>
+            <a:pPr>
+              <a:defRPr/>
+            </a:pPr>
+            <a:fld id="{CA7D1540-351F-4E73-ADC5-D0DEE72D6683}" type="slidenum">
+              <a:rPr lang="en-US" altLang="da-DK" smtClean="0"/>
+              <a:pPr>
+                <a:defRPr/>
+              </a:pPr>
+              <a:t>15</a:t>
+            </a:fld>
+            <a:endParaRPr lang="en-US" altLang="da-DK"/>
+          </a:p>
+        </p:txBody>
+      </p:sp>
+    </p:spTree>
+    <p:extLst>
+      <p:ext uri="{BB962C8B-B14F-4D97-AF65-F5344CB8AC3E}">
+        <p14:creationId xmlns:p14="http://schemas.microsoft.com/office/powerpoint/2010/main" val="3503407975"/>
+      </p:ext>
+    </p:extLst>
+  </p:cSld>
+  <p:clrMapOvr>
+    <a:masterClrMapping/>
+  </p:clrMapOvr>
+</p:sld>
+</file>
+
 <file path=ppt/slides/slide2.xml><?xml version="1.0" encoding="utf-8"?>
 <p:sld xmlns:a="http://schemas.openxmlformats.org/drawingml/2006/main" xmlns:r="http://schemas.openxmlformats.org/officeDocument/2006/relationships" xmlns:p="http://schemas.openxmlformats.org/presentationml/2006/main">
   <p:cSld>
@@ -6659,11 +6895,6 @@
               </a:rPr>
               <a:t>Kunne anvende forholdsregler i egen software udvikling</a:t>
             </a:r>
-            <a:endParaRPr lang="da-DK" altLang="da-DK" kern="0" dirty="0" smtClean="0">
-              <a:latin typeface="Verdana" panose="020B0604030504040204" pitchFamily="34" charset="0"/>
-              <a:ea typeface="Verdana" panose="020B0604030504040204" pitchFamily="34" charset="0"/>
-              <a:cs typeface="Verdana" panose="020B0604030504040204" pitchFamily="34" charset="0"/>
-            </a:endParaRPr>
           </a:p>
           <a:p>
             <a:pPr>

--- a/Security.pptx
+++ b/Security.pptx
@@ -5294,7 +5294,19 @@
             </a:r>
             <a:r>
               <a:rPr lang="da-DK" dirty="0" smtClean="0"/>
-              <a:t> trafik</a:t>
+              <a:t> </a:t>
+            </a:r>
+            <a:r>
+              <a:rPr lang="da-DK" dirty="0" smtClean="0"/>
+              <a:t>trafik</a:t>
+            </a:r>
+          </a:p>
+          <a:p>
+            <a:r>
+              <a:rPr lang="da-DK" dirty="0" smtClean="0">
+                <a:hlinkClick r:id="rId2"/>
+              </a:rPr>
+              <a:t>Se hvordan her</a:t>
             </a:r>
             <a:endParaRPr lang="da-DK" dirty="0"/>
           </a:p>
@@ -5338,7 +5350,7 @@
           <p:nvPr/>
         </p:nvPicPr>
         <p:blipFill>
-          <a:blip r:embed="rId2" cstate="print">
+          <a:blip r:embed="rId3" cstate="print">
             <a:extLst>
               <a:ext uri="{28A0092B-C50C-407E-A947-70E740481C1C}">
                 <a14:useLocalDpi xmlns:a14="http://schemas.microsoft.com/office/drawing/2010/main" val="0"/>
@@ -5352,7 +5364,7 @@
         </p:blipFill>
         <p:spPr bwMode="auto">
           <a:xfrm>
-            <a:off x="107504" y="188640"/>
+            <a:off x="107504" y="116632"/>
             <a:ext cx="3491880" cy="1277031"/>
           </a:xfrm>
           <a:prstGeom prst="rect">
@@ -5379,7 +5391,7 @@
           <p:nvPr/>
         </p:nvPicPr>
         <p:blipFill>
-          <a:blip r:embed="rId3">
+          <a:blip r:embed="rId4">
             <a:extLst>
               <a:ext uri="{28A0092B-C50C-407E-A947-70E740481C1C}">
                 <a14:useLocalDpi xmlns:a14="http://schemas.microsoft.com/office/drawing/2010/main" val="0"/>
@@ -5411,6 +5423,49 @@
           </a:extLst>
         </p:spPr>
       </p:pic>
+      <p:pic>
+        <p:nvPicPr>
+          <p:cNvPr id="1026" name="Picture 2" descr="Image result for certbot">
+            <a:hlinkClick r:id="rId2"/>
+          </p:cNvPr>
+          <p:cNvPicPr>
+            <a:picLocks noChangeAspect="1" noChangeArrowheads="1"/>
+          </p:cNvPicPr>
+          <p:nvPr/>
+        </p:nvPicPr>
+        <p:blipFill>
+          <a:blip r:embed="rId5">
+            <a:extLst>
+              <a:ext uri="{28A0092B-C50C-407E-A947-70E740481C1C}">
+                <a14:useLocalDpi xmlns:a14="http://schemas.microsoft.com/office/drawing/2010/main" val="0"/>
+              </a:ext>
+            </a:extLst>
+          </a:blip>
+          <a:srcRect/>
+          <a:stretch>
+            <a:fillRect/>
+          </a:stretch>
+        </p:blipFill>
+        <p:spPr bwMode="auto">
+          <a:xfrm>
+            <a:off x="7092280" y="0"/>
+            <a:ext cx="1905000" cy="1905000"/>
+          </a:xfrm>
+          <a:prstGeom prst="rect">
+            <a:avLst/>
+          </a:prstGeom>
+          <a:noFill/>
+          <a:extLst>
+            <a:ext uri="{909E8E84-426E-40DD-AFC4-6F175D3DCCD1}">
+              <a14:hiddenFill xmlns:a14="http://schemas.microsoft.com/office/drawing/2010/main">
+                <a:solidFill>
+                  <a:srgbClr val="FFFFFF"/>
+                </a:solidFill>
+              </a14:hiddenFill>
+            </a:ext>
+          </a:extLst>
+        </p:spPr>
+      </p:pic>
     </p:spTree>
     <p:extLst>
       <p:ext uri="{BB962C8B-B14F-4D97-AF65-F5344CB8AC3E}">
@@ -5421,6 +5476,13 @@
   <p:clrMapOvr>
     <a:masterClrMapping/>
   </p:clrMapOvr>
+  <p:timing>
+    <p:tnLst>
+      <p:par>
+        <p:cTn id="1" dur="indefinite" restart="never" nodeType="tmRoot"/>
+      </p:par>
+    </p:tnLst>
+  </p:timing>
 </p:sld>
 </file>
 
@@ -5728,6 +5790,13 @@
   <p:clrMapOvr>
     <a:masterClrMapping/>
   </p:clrMapOvr>
+  <p:timing>
+    <p:tnLst>
+      <p:par>
+        <p:cTn id="1" dur="indefinite" restart="never" nodeType="tmRoot"/>
+      </p:par>
+    </p:tnLst>
+  </p:timing>
 </p:sld>
 </file>
 
@@ -5902,6 +5971,13 @@
   <p:clrMapOvr>
     <a:masterClrMapping/>
   </p:clrMapOvr>
+  <p:timing>
+    <p:tnLst>
+      <p:par>
+        <p:cTn id="1" dur="indefinite" restart="never" nodeType="tmRoot"/>
+      </p:par>
+    </p:tnLst>
+  </p:timing>
 </p:sld>
 </file>
 
@@ -6047,7 +6123,11 @@
             </a:r>
             <a:r>
               <a:rPr lang="da-DK" dirty="0" smtClean="0"/>
-              <a:t> password sammen med den </a:t>
+              <a:t> password sammen med </a:t>
+            </a:r>
+            <a:r>
+              <a:rPr lang="da-DK" dirty="0" smtClean="0"/>
+              <a:t>det </a:t>
             </a:r>
             <a:r>
               <a:rPr lang="da-DK" dirty="0" err="1" smtClean="0"/>
@@ -6071,6 +6151,13 @@
   <p:clrMapOvr>
     <a:masterClrMapping/>
   </p:clrMapOvr>
+  <p:timing>
+    <p:tnLst>
+      <p:par>
+        <p:cTn id="1" dur="indefinite" restart="never" nodeType="tmRoot"/>
+      </p:par>
+    </p:tnLst>
+  </p:timing>
 </p:sld>
 </file>
 
@@ -6268,6 +6355,13 @@
   <p:clrMapOvr>
     <a:masterClrMapping/>
   </p:clrMapOvr>
+  <p:timing>
+    <p:tnLst>
+      <p:par>
+        <p:cTn id="1" dur="indefinite" restart="never" nodeType="tmRoot"/>
+      </p:par>
+    </p:tnLst>
+  </p:timing>
 </p:sld>
 </file>
 
@@ -6507,6 +6601,13 @@
   <p:clrMapOvr>
     <a:masterClrMapping/>
   </p:clrMapOvr>
+  <p:timing>
+    <p:tnLst>
+      <p:par>
+        <p:cTn id="1" dur="indefinite" restart="never" nodeType="tmRoot"/>
+      </p:par>
+    </p:tnLst>
+  </p:timing>
 </p:sld>
 </file>
 
@@ -7350,6 +7451,13 @@
   <p:clrMapOvr>
     <a:masterClrMapping/>
   </p:clrMapOvr>
+  <p:timing>
+    <p:tnLst>
+      <p:par>
+        <p:cTn id="1" dur="indefinite" restart="never" nodeType="tmRoot"/>
+      </p:par>
+    </p:tnLst>
+  </p:timing>
 </p:sld>
 </file>
 
@@ -7727,6 +7835,13 @@
   <p:clrMapOvr>
     <a:masterClrMapping/>
   </p:clrMapOvr>
+  <p:timing>
+    <p:tnLst>
+      <p:par>
+        <p:cTn id="1" dur="indefinite" restart="never" nodeType="tmRoot"/>
+      </p:par>
+    </p:tnLst>
+  </p:timing>
 </p:sld>
 </file>
 
@@ -7869,6 +7984,13 @@
   <p:clrMapOvr>
     <a:masterClrMapping/>
   </p:clrMapOvr>
+  <p:timing>
+    <p:tnLst>
+      <p:par>
+        <p:cTn id="1" dur="indefinite" restart="never" nodeType="tmRoot"/>
+      </p:par>
+    </p:tnLst>
+  </p:timing>
 </p:sld>
 </file>
 
@@ -8079,6 +8201,13 @@
   <p:clrMapOvr>
     <a:masterClrMapping/>
   </p:clrMapOvr>
+  <p:timing>
+    <p:tnLst>
+      <p:par>
+        <p:cTn id="1" dur="indefinite" restart="never" nodeType="tmRoot"/>
+      </p:par>
+    </p:tnLst>
+  </p:timing>
 </p:sld>
 </file>
 
@@ -8259,6 +8388,13 @@
   <p:clrMapOvr>
     <a:masterClrMapping/>
   </p:clrMapOvr>
+  <p:timing>
+    <p:tnLst>
+      <p:par>
+        <p:cTn id="1" dur="indefinite" restart="never" nodeType="tmRoot"/>
+      </p:par>
+    </p:tnLst>
+  </p:timing>
 </p:sld>
 </file>
 
@@ -8380,9 +8516,33 @@
           <a:p>
             <a:r>
               <a:rPr lang="da-DK" dirty="0" smtClean="0"/>
-              <a:t>Bruge HTTP over TLS</a:t>
-            </a:r>
-            <a:endParaRPr lang="da-DK" dirty="0"/>
+              <a:t>Bruge HTTP over </a:t>
+            </a:r>
+            <a:r>
+              <a:rPr lang="da-DK" dirty="0" smtClean="0"/>
+              <a:t>TLS </a:t>
+            </a:r>
+            <a:r>
+              <a:rPr lang="da-DK" sz="2000" dirty="0" smtClean="0"/>
+              <a:t>(</a:t>
+            </a:r>
+            <a:r>
+              <a:rPr lang="da-DK" sz="2000" dirty="0"/>
+              <a:t>Transport </a:t>
+            </a:r>
+            <a:r>
+              <a:rPr lang="da-DK" sz="2000" dirty="0" err="1"/>
+              <a:t>Layer</a:t>
+            </a:r>
+            <a:r>
+              <a:rPr lang="da-DK" sz="2000" dirty="0"/>
+              <a:t> Security</a:t>
+            </a:r>
+            <a:r>
+              <a:rPr lang="da-DK" sz="2000" dirty="0" smtClean="0"/>
+              <a:t>)</a:t>
+            </a:r>
+            <a:endParaRPr lang="da-DK" sz="2000" dirty="0"/>
           </a:p>
         </p:txBody>
       </p:sp>
@@ -8466,6 +8626,13 @@
   <p:clrMapOvr>
     <a:masterClrMapping/>
   </p:clrMapOvr>
+  <p:timing>
+    <p:tnLst>
+      <p:par>
+        <p:cTn id="1" dur="indefinite" restart="never" nodeType="tmRoot"/>
+      </p:par>
+    </p:tnLst>
+  </p:timing>
 </p:sld>
 </file>
 
@@ -8589,6 +8756,13 @@
   <p:clrMapOvr>
     <a:masterClrMapping/>
   </p:clrMapOvr>
+  <p:timing>
+    <p:tnLst>
+      <p:par>
+        <p:cTn id="1" dur="indefinite" restart="never" nodeType="tmRoot"/>
+      </p:par>
+    </p:tnLst>
+  </p:timing>
 </p:sld>
 </file>
 
